--- a/ceph/ceph串讲.pptx
+++ b/ceph/ceph串讲.pptx
@@ -7,6 +7,7 @@
   <p:sldIdLst>
     <p:sldId id="256" r:id="rId2"/>
     <p:sldId id="257" r:id="rId3"/>
+    <p:sldId id="258" r:id="rId4"/>
   </p:sldIdLst>
   <p:sldSz cx="9144000" cy="6858000" type="screen4x3"/>
   <p:notesSz cx="6858000" cy="9144000"/>
@@ -300,7 +301,7 @@
           <a:p>
             <a:fld id="{530820CF-B880-4189-942D-D702A7CBA730}" type="datetimeFigureOut">
               <a:rPr lang="zh-CN" altLang="en-US" smtClean="0"/>
-              <a:t>2019/6/3</a:t>
+              <a:t>2019/6/4</a:t>
             </a:fld>
             <a:endParaRPr lang="zh-CN" altLang="en-US"/>
           </a:p>
@@ -465,7 +466,7 @@
           <a:p>
             <a:fld id="{530820CF-B880-4189-942D-D702A7CBA730}" type="datetimeFigureOut">
               <a:rPr lang="zh-CN" altLang="en-US" smtClean="0"/>
-              <a:t>2019/6/3</a:t>
+              <a:t>2019/6/4</a:t>
             </a:fld>
             <a:endParaRPr lang="zh-CN" altLang="en-US"/>
           </a:p>
@@ -640,7 +641,7 @@
           <a:p>
             <a:fld id="{530820CF-B880-4189-942D-D702A7CBA730}" type="datetimeFigureOut">
               <a:rPr lang="zh-CN" altLang="en-US" smtClean="0"/>
-              <a:t>2019/6/3</a:t>
+              <a:t>2019/6/4</a:t>
             </a:fld>
             <a:endParaRPr lang="zh-CN" altLang="en-US"/>
           </a:p>
@@ -823,7 +824,7 @@
           <a:p>
             <a:fld id="{530820CF-B880-4189-942D-D702A7CBA730}" type="datetimeFigureOut">
               <a:rPr lang="zh-CN" altLang="en-US" smtClean="0"/>
-              <a:t>2019/6/3</a:t>
+              <a:t>2019/6/4</a:t>
             </a:fld>
             <a:endParaRPr lang="zh-CN" altLang="en-US"/>
           </a:p>
@@ -1085,7 +1086,7 @@
           <a:p>
             <a:fld id="{530820CF-B880-4189-942D-D702A7CBA730}" type="datetimeFigureOut">
               <a:rPr lang="zh-CN" altLang="en-US" smtClean="0"/>
-              <a:t>2019/6/3</a:t>
+              <a:t>2019/6/4</a:t>
             </a:fld>
             <a:endParaRPr lang="zh-CN" altLang="en-US"/>
           </a:p>
@@ -1433,7 +1434,7 @@
           <a:p>
             <a:fld id="{530820CF-B880-4189-942D-D702A7CBA730}" type="datetimeFigureOut">
               <a:rPr lang="zh-CN" altLang="en-US" smtClean="0"/>
-              <a:t>2019/6/3</a:t>
+              <a:t>2019/6/4</a:t>
             </a:fld>
             <a:endParaRPr lang="zh-CN" altLang="en-US"/>
           </a:p>
@@ -1741,7 +1742,7 @@
           <a:p>
             <a:fld id="{530820CF-B880-4189-942D-D702A7CBA730}" type="datetimeFigureOut">
               <a:rPr lang="zh-CN" altLang="en-US" smtClean="0"/>
-              <a:t>2019/6/3</a:t>
+              <a:t>2019/6/4</a:t>
             </a:fld>
             <a:endParaRPr lang="zh-CN" altLang="en-US"/>
           </a:p>
@@ -1968,7 +1969,7 @@
           <a:p>
             <a:fld id="{530820CF-B880-4189-942D-D702A7CBA730}" type="datetimeFigureOut">
               <a:rPr lang="zh-CN" altLang="en-US" smtClean="0"/>
-              <a:t>2019/6/3</a:t>
+              <a:t>2019/6/4</a:t>
             </a:fld>
             <a:endParaRPr lang="zh-CN" altLang="en-US"/>
           </a:p>
@@ -2058,7 +2059,7 @@
           <a:p>
             <a:fld id="{530820CF-B880-4189-942D-D702A7CBA730}" type="datetimeFigureOut">
               <a:rPr lang="zh-CN" altLang="en-US" smtClean="0"/>
-              <a:t>2019/6/3</a:t>
+              <a:t>2019/6/4</a:t>
             </a:fld>
             <a:endParaRPr lang="zh-CN" altLang="en-US"/>
           </a:p>
@@ -2346,7 +2347,7 @@
           <a:p>
             <a:fld id="{530820CF-B880-4189-942D-D702A7CBA730}" type="datetimeFigureOut">
               <a:rPr lang="zh-CN" altLang="en-US" smtClean="0"/>
-              <a:t>2019/6/3</a:t>
+              <a:t>2019/6/4</a:t>
             </a:fld>
             <a:endParaRPr lang="zh-CN" altLang="en-US"/>
           </a:p>
@@ -2615,7 +2616,7 @@
           <a:p>
             <a:fld id="{530820CF-B880-4189-942D-D702A7CBA730}" type="datetimeFigureOut">
               <a:rPr lang="zh-CN" altLang="en-US" smtClean="0"/>
-              <a:t>2019/6/3</a:t>
+              <a:t>2019/6/4</a:t>
             </a:fld>
             <a:endParaRPr lang="zh-CN" altLang="en-US"/>
           </a:p>
@@ -2825,7 +2826,7 @@
           <a:p>
             <a:fld id="{530820CF-B880-4189-942D-D702A7CBA730}" type="datetimeFigureOut">
               <a:rPr lang="zh-CN" altLang="en-US" smtClean="0"/>
-              <a:t>2019/6/3</a:t>
+              <a:t>2019/6/4</a:t>
             </a:fld>
             <a:endParaRPr lang="zh-CN" altLang="en-US"/>
           </a:p>
@@ -3551,6 +3552,133 @@
 </p:sld>
 </file>
 
+<file path=ppt/slides/slide3.xml><?xml version="1.0" encoding="utf-8"?>
+<p:sld xmlns:a="http://schemas.openxmlformats.org/drawingml/2006/main" xmlns:r="http://schemas.openxmlformats.org/officeDocument/2006/relationships" xmlns:p="http://schemas.openxmlformats.org/presentationml/2006/main">
+  <p:cSld>
+    <p:spTree>
+      <p:nvGrpSpPr>
+        <p:cNvPr id="1" name=""/>
+        <p:cNvGrpSpPr/>
+        <p:nvPr/>
+      </p:nvGrpSpPr>
+      <p:grpSpPr>
+        <a:xfrm>
+          <a:off x="0" y="0"/>
+          <a:ext cx="0" cy="0"/>
+          <a:chOff x="0" y="0"/>
+          <a:chExt cx="0" cy="0"/>
+        </a:xfrm>
+      </p:grpSpPr>
+      <p:sp>
+        <p:nvSpPr>
+          <p:cNvPr id="2" name="标题 1"/>
+          <p:cNvSpPr>
+            <a:spLocks noGrp="1"/>
+          </p:cNvSpPr>
+          <p:nvPr>
+            <p:ph type="title"/>
+          </p:nvPr>
+        </p:nvSpPr>
+        <p:spPr/>
+        <p:txBody>
+          <a:bodyPr/>
+          <a:lstStyle/>
+          <a:p>
+            <a:r>
+              <a:rPr lang="en-US" altLang="zh-CN" dirty="0" err="1" smtClean="0"/>
+              <a:t>Ceph</a:t>
+            </a:r>
+            <a:r>
+              <a:rPr lang="zh-CN" altLang="en-US" dirty="0" smtClean="0"/>
+              <a:t>架构</a:t>
+            </a:r>
+            <a:endParaRPr lang="zh-CN" altLang="en-US" dirty="0"/>
+          </a:p>
+        </p:txBody>
+      </p:sp>
+      <p:pic>
+        <p:nvPicPr>
+          <p:cNvPr id="4" name="内容占位符 3"/>
+          <p:cNvPicPr>
+            <a:picLocks noGrp="1" noChangeAspect="1"/>
+          </p:cNvPicPr>
+          <p:nvPr>
+            <p:ph idx="1"/>
+          </p:nvPr>
+        </p:nvPicPr>
+        <p:blipFill>
+          <a:blip r:embed="rId2" cstate="print">
+            <a:extLst>
+              <a:ext uri="{28A0092B-C50C-407E-A947-70E740481C1C}">
+                <a14:useLocalDpi xmlns:a14="http://schemas.microsoft.com/office/drawing/2010/main" val="0"/>
+              </a:ext>
+            </a:extLst>
+          </a:blip>
+          <a:stretch>
+            <a:fillRect/>
+          </a:stretch>
+        </p:blipFill>
+        <p:spPr>
+          <a:xfrm>
+            <a:off x="1259632" y="1844824"/>
+            <a:ext cx="4899016" cy="3167668"/>
+          </a:xfrm>
+        </p:spPr>
+      </p:pic>
+      <p:pic>
+        <p:nvPicPr>
+          <p:cNvPr id="1026" name="Picture 2" descr="../_images/stack.png"/>
+          <p:cNvPicPr>
+            <a:picLocks noChangeAspect="1" noChangeArrowheads="1"/>
+          </p:cNvPicPr>
+          <p:nvPr/>
+        </p:nvPicPr>
+        <p:blipFill>
+          <a:blip r:embed="rId3">
+            <a:extLst>
+              <a:ext uri="{28A0092B-C50C-407E-A947-70E740481C1C}">
+                <a14:useLocalDpi xmlns:a14="http://schemas.microsoft.com/office/drawing/2010/main" val="0"/>
+              </a:ext>
+            </a:extLst>
+          </a:blip>
+          <a:srcRect/>
+          <a:stretch>
+            <a:fillRect/>
+          </a:stretch>
+        </p:blipFill>
+        <p:spPr bwMode="auto">
+          <a:xfrm>
+            <a:off x="1043608" y="998185"/>
+            <a:ext cx="6168777" cy="4361762"/>
+          </a:xfrm>
+          <a:prstGeom prst="rect">
+            <a:avLst/>
+          </a:prstGeom>
+          <a:noFill/>
+          <a:extLst>
+            <a:ext uri="{909E8E84-426E-40DD-AFC4-6F175D3DCCD1}">
+              <a14:hiddenFill xmlns:a14="http://schemas.microsoft.com/office/drawing/2010/main">
+                <a:solidFill>
+                  <a:srgbClr val="FFFFFF"/>
+                </a:solidFill>
+              </a14:hiddenFill>
+            </a:ext>
+          </a:extLst>
+        </p:spPr>
+      </p:pic>
+    </p:spTree>
+    <p:extLst>
+      <p:ext uri="{BB962C8B-B14F-4D97-AF65-F5344CB8AC3E}">
+        <p14:creationId xmlns:p14="http://schemas.microsoft.com/office/powerpoint/2010/main" val="2252781009"/>
+      </p:ext>
+    </p:extLst>
+  </p:cSld>
+  <p:clrMapOvr>
+    <a:masterClrMapping/>
+  </p:clrMapOvr>
+</p:sld>
+</file>
+
 <file path=ppt/theme/theme1.xml><?xml version="1.0" encoding="utf-8"?>
 <a:theme xmlns:a="http://schemas.openxmlformats.org/drawingml/2006/main" name="主管人员">
   <a:themeElements>

--- a/ceph/ceph串讲.pptx
+++ b/ceph/ceph串讲.pptx
@@ -3620,52 +3620,102 @@
         </p:blipFill>
         <p:spPr>
           <a:xfrm>
-            <a:off x="1259632" y="1844824"/>
-            <a:ext cx="4899016" cy="3167668"/>
+            <a:off x="539552" y="1844824"/>
+            <a:ext cx="5472608" cy="3538548"/>
           </a:xfrm>
         </p:spPr>
       </p:pic>
-      <p:pic>
-        <p:nvPicPr>
-          <p:cNvPr id="1026" name="Picture 2" descr="../_images/stack.png"/>
-          <p:cNvPicPr>
-            <a:picLocks noChangeAspect="1" noChangeArrowheads="1"/>
-          </p:cNvPicPr>
+      <p:sp>
+        <p:nvSpPr>
+          <p:cNvPr id="6" name="TextBox 5"/>
+          <p:cNvSpPr txBox="1"/>
           <p:nvPr/>
-        </p:nvPicPr>
-        <p:blipFill>
-          <a:blip r:embed="rId3">
-            <a:extLst>
-              <a:ext uri="{28A0092B-C50C-407E-A947-70E740481C1C}">
-                <a14:useLocalDpi xmlns:a14="http://schemas.microsoft.com/office/drawing/2010/main" val="0"/>
-              </a:ext>
-            </a:extLst>
-          </a:blip>
-          <a:srcRect/>
-          <a:stretch>
-            <a:fillRect/>
-          </a:stretch>
-        </p:blipFill>
-        <p:spPr bwMode="auto">
+        </p:nvSpPr>
+        <p:spPr>
           <a:xfrm>
-            <a:off x="1043608" y="998185"/>
-            <a:ext cx="6168777" cy="4361762"/>
+            <a:off x="6228184" y="2276872"/>
+            <a:ext cx="2432076" cy="1200329"/>
           </a:xfrm>
           <a:prstGeom prst="rect">
             <a:avLst/>
           </a:prstGeom>
           <a:noFill/>
-          <a:extLst>
-            <a:ext uri="{909E8E84-426E-40DD-AFC4-6F175D3DCCD1}">
-              <a14:hiddenFill xmlns:a14="http://schemas.microsoft.com/office/drawing/2010/main">
-                <a:solidFill>
-                  <a:srgbClr val="FFFFFF"/>
-                </a:solidFill>
-              </a14:hiddenFill>
-            </a:ext>
-          </a:extLst>
         </p:spPr>
-      </p:pic>
+        <p:txBody>
+          <a:bodyPr wrap="none" rtlCol="0">
+            <a:spAutoFit/>
+          </a:bodyPr>
+          <a:lstStyle/>
+          <a:p>
+            <a:pPr marL="285750" indent="-285750">
+              <a:buFont typeface="Wingdings" panose="05000000000000000000" pitchFamily="2" charset="2"/>
+              <a:buChar char="l"/>
+            </a:pPr>
+            <a:r>
+              <a:rPr lang="zh-CN" altLang="en-US" dirty="0" smtClean="0"/>
+              <a:t>客户端：</a:t>
+            </a:r>
+            <a:endParaRPr lang="en-US" altLang="zh-CN" dirty="0" smtClean="0"/>
+          </a:p>
+          <a:p>
+            <a:r>
+              <a:rPr lang="en-US" altLang="zh-CN" dirty="0"/>
+              <a:t> </a:t>
+            </a:r>
+            <a:r>
+              <a:rPr lang="en-US" altLang="zh-CN" dirty="0" smtClean="0"/>
+              <a:t>    </a:t>
+            </a:r>
+            <a:r>
+              <a:rPr lang="en-US" altLang="zh-CN" dirty="0" err="1" smtClean="0"/>
+              <a:t>Rbd</a:t>
+            </a:r>
+            <a:r>
+              <a:rPr lang="zh-CN" altLang="en-US" dirty="0" smtClean="0"/>
+              <a:t>、</a:t>
+            </a:r>
+            <a:r>
+              <a:rPr lang="en-US" altLang="zh-CN" dirty="0" err="1" smtClean="0"/>
+              <a:t>rgw</a:t>
+            </a:r>
+            <a:r>
+              <a:rPr lang="zh-CN" altLang="en-US" dirty="0" smtClean="0"/>
+              <a:t>、</a:t>
+            </a:r>
+            <a:r>
+              <a:rPr lang="en-US" altLang="zh-CN" dirty="0" err="1" smtClean="0"/>
+              <a:t>cephfs</a:t>
+            </a:r>
+            <a:endParaRPr lang="en-US" altLang="zh-CN" dirty="0" smtClean="0"/>
+          </a:p>
+          <a:p>
+            <a:pPr marL="285750" indent="-285750">
+              <a:buFont typeface="Wingdings" panose="05000000000000000000" pitchFamily="2" charset="2"/>
+              <a:buChar char="l"/>
+            </a:pPr>
+            <a:r>
+              <a:rPr lang="zh-CN" altLang="en-US" dirty="0" smtClean="0"/>
+              <a:t>服务端：</a:t>
+            </a:r>
+            <a:endParaRPr lang="en-US" altLang="zh-CN" dirty="0" smtClean="0"/>
+          </a:p>
+          <a:p>
+            <a:r>
+              <a:rPr lang="en-US" altLang="zh-CN" dirty="0" smtClean="0"/>
+              <a:t>     </a:t>
+            </a:r>
+            <a:r>
+              <a:rPr lang="en-US" altLang="zh-CN" dirty="0" err="1" smtClean="0"/>
+              <a:t>Rados</a:t>
+            </a:r>
+            <a:r>
+              <a:rPr lang="zh-CN" altLang="en-US" dirty="0"/>
+              <a:t>集群</a:t>
+            </a:r>
+            <a:endParaRPr lang="en-US" altLang="zh-CN" dirty="0" smtClean="0"/>
+          </a:p>
+        </p:txBody>
+      </p:sp>
     </p:spTree>
     <p:extLst>
       <p:ext uri="{BB962C8B-B14F-4D97-AF65-F5344CB8AC3E}">
